--- a/flyers/ppr_20250213_xiaominlin.pptx
+++ b/flyers/ppr_20250213_xiaominlin.pptx
@@ -3956,8 +3956,8 @@
           </p:nvSpPr>
           <p:spPr>
             <a:xfrm>
-              <a:off x="183244" y="3533892"/>
-              <a:ext cx="7438130" cy="1599220"/>
+              <a:off x="287746" y="3533892"/>
+              <a:ext cx="7171139" cy="1657540"/>
             </a:xfrm>
             <a:prstGeom prst="rect">
               <a:avLst/>
@@ -3978,11 +3978,25 @@
                   </a:solidFill>
                   <a:latin typeface="Segoe UI Variable Display" pitchFamily="2" charset="0"/>
                 </a:rPr>
-                <a:t>Underwater Autonomous Systems with Multimodal Active Perception </a:t>
+                <a:t>Seeing Beneath the Surface:  Vision-Enabled Robots for Long-term Ocean Monitoring</a:t>
               </a:r>
-            </a:p>
-            <a:p>
-              <a:pPr algn="ctr"/>
+              <a:br>
+                <a:rPr lang="en-US" sz="2400" b="1" dirty="0">
+                  <a:solidFill>
+                    <a:schemeClr val="bg2"/>
+                  </a:solidFill>
+                  <a:latin typeface="Segoe UI Variable Display" pitchFamily="2" charset="0"/>
+                </a:rPr>
+              </a:br>
+              <a:r>
+                <a:rPr lang="en-US" sz="1050" b="1" dirty="0">
+                  <a:solidFill>
+                    <a:schemeClr val="bg2"/>
+                  </a:solidFill>
+                  <a:latin typeface="Segoe UI Variable Display" pitchFamily="2" charset="0"/>
+                </a:rPr>
+                <a:t> </a:t>
+              </a:r>
               <a:r>
                 <a:rPr lang="en-US" sz="1400" b="1" dirty="0">
                   <a:solidFill>

--- a/flyers/ppr_20250213_xiaominlin.pptx
+++ b/flyers/ppr_20250213_xiaominlin.pptx
@@ -112,14 +112,6 @@
 </p:presentation>
 </file>
 
-<file path=ppt/revisionInfo.xml><?xml version="1.0" encoding="utf-8"?>
-<p1510:revInfo xmlns:a="http://schemas.openxmlformats.org/drawingml/2006/main" xmlns:r="http://schemas.openxmlformats.org/officeDocument/2006/relationships" xmlns:p1510="http://schemas.microsoft.com/office/powerpoint/2015/10/main">
-  <p1510:revLst>
-    <p1510:client id="{7C0755A4-A4AB-4FB1-BA50-BFA08E330B8D}" v="13" dt="2024-03-02T01:24:26.005"/>
-  </p1510:revLst>
-</p1510:revInfo>
-</file>
-
 <file path=ppt/changesInfos/changesInfo1.xml><?xml version="1.0" encoding="utf-8"?>
 <pc:chgInfo xmlns:a="http://schemas.openxmlformats.org/drawingml/2006/main" xmlns:r="http://schemas.openxmlformats.org/officeDocument/2006/relationships" xmlns:ac="http://schemas.microsoft.com/office/drawing/2013/main/command" xmlns:pc="http://schemas.microsoft.com/office/powerpoint/2013/main/command">
   <pc:docChgLst>
@@ -135,70 +127,6 @@
           <pc:docMk/>
           <pc:sldMk cId="2157202560" sldId="256"/>
         </pc:sldMkLst>
-        <pc:spChg chg="mod">
-          <ac:chgData name="Tejas Gokhale" userId="0a6e40ef-7aff-448b-b998-6dea126e3296" providerId="ADAL" clId="{7C0755A4-A4AB-4FB1-BA50-BFA08E330B8D}" dt="2024-03-02T01:27:09.742" v="184" actId="255"/>
-          <ac:spMkLst>
-            <pc:docMk/>
-            <pc:sldMk cId="2157202560" sldId="256"/>
-            <ac:spMk id="5" creationId="{F36CAF75-2942-79F2-AD89-A9B660E4C48A}"/>
-          </ac:spMkLst>
-        </pc:spChg>
-        <pc:spChg chg="mod">
-          <ac:chgData name="Tejas Gokhale" userId="0a6e40ef-7aff-448b-b998-6dea126e3296" providerId="ADAL" clId="{7C0755A4-A4AB-4FB1-BA50-BFA08E330B8D}" dt="2024-03-02T01:27:02.152" v="183" actId="14100"/>
-          <ac:spMkLst>
-            <pc:docMk/>
-            <pc:sldMk cId="2157202560" sldId="256"/>
-            <ac:spMk id="6" creationId="{591F2C16-7551-BEC7-C0BB-92146DBE702F}"/>
-          </ac:spMkLst>
-        </pc:spChg>
-        <pc:spChg chg="mod">
-          <ac:chgData name="Tejas Gokhale" userId="0a6e40ef-7aff-448b-b998-6dea126e3296" providerId="ADAL" clId="{7C0755A4-A4AB-4FB1-BA50-BFA08E330B8D}" dt="2024-03-02T01:24:08.617" v="120" actId="207"/>
-          <ac:spMkLst>
-            <pc:docMk/>
-            <pc:sldMk cId="2157202560" sldId="256"/>
-            <ac:spMk id="9" creationId="{3B765482-3325-3A8A-0C42-B67C7676E714}"/>
-          </ac:spMkLst>
-        </pc:spChg>
-        <pc:spChg chg="mod">
-          <ac:chgData name="Tejas Gokhale" userId="0a6e40ef-7aff-448b-b998-6dea126e3296" providerId="ADAL" clId="{7C0755A4-A4AB-4FB1-BA50-BFA08E330B8D}" dt="2024-03-02T01:24:58.323" v="161" actId="20577"/>
-          <ac:spMkLst>
-            <pc:docMk/>
-            <pc:sldMk cId="2157202560" sldId="256"/>
-            <ac:spMk id="18" creationId="{5E9CE008-1F12-63F4-3D34-4C2995536223}"/>
-          </ac:spMkLst>
-        </pc:spChg>
-        <pc:picChg chg="mod">
-          <ac:chgData name="Tejas Gokhale" userId="0a6e40ef-7aff-448b-b998-6dea126e3296" providerId="ADAL" clId="{7C0755A4-A4AB-4FB1-BA50-BFA08E330B8D}" dt="2024-03-02T01:21:50.410" v="1" actId="14826"/>
-          <ac:picMkLst>
-            <pc:docMk/>
-            <pc:sldMk cId="2157202560" sldId="256"/>
-            <ac:picMk id="8" creationId="{8545C200-9F55-DB76-B1C3-F05A88911895}"/>
-          </ac:picMkLst>
-        </pc:picChg>
-        <pc:picChg chg="add">
-          <ac:chgData name="Tejas Gokhale" userId="0a6e40ef-7aff-448b-b998-6dea126e3296" providerId="ADAL" clId="{7C0755A4-A4AB-4FB1-BA50-BFA08E330B8D}" dt="2024-03-02T01:21:40.362" v="0"/>
-          <ac:picMkLst>
-            <pc:docMk/>
-            <pc:sldMk cId="2157202560" sldId="256"/>
-            <ac:picMk id="1026" creationId="{B19FCA34-C27B-F89C-D39D-3F3DBF9A6273}"/>
-          </ac:picMkLst>
-        </pc:picChg>
-        <pc:picChg chg="add mod">
-          <ac:chgData name="Tejas Gokhale" userId="0a6e40ef-7aff-448b-b998-6dea126e3296" providerId="ADAL" clId="{7C0755A4-A4AB-4FB1-BA50-BFA08E330B8D}" dt="2024-03-02T01:24:26.005" v="123" actId="1076"/>
-          <ac:picMkLst>
-            <pc:docMk/>
-            <pc:sldMk cId="2157202560" sldId="256"/>
-            <ac:picMk id="1028" creationId="{64AAF757-CF5D-1D5C-DA26-0BD614A8EDDA}"/>
-          </ac:picMkLst>
-        </pc:picChg>
-        <pc:picChg chg="del">
-          <ac:chgData name="Tejas Gokhale" userId="0a6e40ef-7aff-448b-b998-6dea126e3296" providerId="ADAL" clId="{7C0755A4-A4AB-4FB1-BA50-BFA08E330B8D}" dt="2024-03-02T01:23:06.505" v="109" actId="478"/>
-          <ac:picMkLst>
-            <pc:docMk/>
-            <pc:sldMk cId="2157202560" sldId="256"/>
-            <ac:picMk id="1042" creationId="{79B64957-0A82-23EE-1BEC-4CAA7C87A51D}"/>
-          </ac:picMkLst>
-        </pc:picChg>
       </pc:sldChg>
     </pc:docChg>
   </pc:docChgLst>
@@ -215,56 +143,24 @@
           <pc:docMk/>
           <pc:sldMk cId="2157202560" sldId="256"/>
         </pc:sldMkLst>
+      </pc:sldChg>
+    </pc:docChg>
+  </pc:docChgLst>
+  <pc:docChgLst>
+    <pc:chgData name="Tejas Gokhale" userId="0a6e40ef-7aff-448b-b998-6dea126e3296" providerId="ADAL" clId="{FC816B61-6E42-4A23-8BF6-9198895668C0}"/>
+    <pc:docChg chg="custSel modSld">
+      <pc:chgData name="Tejas Gokhale" userId="0a6e40ef-7aff-448b-b998-6dea126e3296" providerId="ADAL" clId="{FC816B61-6E42-4A23-8BF6-9198895668C0}" dt="2025-02-15T16:05:17.347" v="8" actId="20577"/>
+      <pc:docMkLst>
+        <pc:docMk/>
+      </pc:docMkLst>
+      <pc:sldChg chg="modSp mod">
+        <pc:chgData name="Tejas Gokhale" userId="0a6e40ef-7aff-448b-b998-6dea126e3296" providerId="ADAL" clId="{FC816B61-6E42-4A23-8BF6-9198895668C0}" dt="2025-02-15T16:05:17.347" v="8" actId="20577"/>
+        <pc:sldMkLst>
+          <pc:docMk/>
+          <pc:sldMk cId="2157202560" sldId="256"/>
+        </pc:sldMkLst>
         <pc:spChg chg="mod">
-          <ac:chgData name="Tejas Gokhale" userId="0a6e40ef-7aff-448b-b998-6dea126e3296" providerId="ADAL" clId="{B50F3A32-9D8F-4D6A-BB93-6B29FD4B6B36}" dt="2024-01-31T17:14:05.852" v="120" actId="14100"/>
-          <ac:spMkLst>
-            <pc:docMk/>
-            <pc:sldMk cId="2157202560" sldId="256"/>
-            <ac:spMk id="4" creationId="{3EAED60F-74CE-C38B-62C7-C27E7E0483B8}"/>
-          </ac:spMkLst>
-        </pc:spChg>
-        <pc:spChg chg="mod">
-          <ac:chgData name="Tejas Gokhale" userId="0a6e40ef-7aff-448b-b998-6dea126e3296" providerId="ADAL" clId="{B50F3A32-9D8F-4D6A-BB93-6B29FD4B6B36}" dt="2024-01-31T17:18:46.745" v="163" actId="14100"/>
-          <ac:spMkLst>
-            <pc:docMk/>
-            <pc:sldMk cId="2157202560" sldId="256"/>
-            <ac:spMk id="5" creationId="{F36CAF75-2942-79F2-AD89-A9B660E4C48A}"/>
-          </ac:spMkLst>
-        </pc:spChg>
-        <pc:spChg chg="mod">
-          <ac:chgData name="Tejas Gokhale" userId="0a6e40ef-7aff-448b-b998-6dea126e3296" providerId="ADAL" clId="{B50F3A32-9D8F-4D6A-BB93-6B29FD4B6B36}" dt="2024-01-31T17:18:24.350" v="162" actId="14100"/>
-          <ac:spMkLst>
-            <pc:docMk/>
-            <pc:sldMk cId="2157202560" sldId="256"/>
-            <ac:spMk id="6" creationId="{591F2C16-7551-BEC7-C0BB-92146DBE702F}"/>
-          </ac:spMkLst>
-        </pc:spChg>
-        <pc:spChg chg="mod">
-          <ac:chgData name="Tejas Gokhale" userId="0a6e40ef-7aff-448b-b998-6dea126e3296" providerId="ADAL" clId="{B50F3A32-9D8F-4D6A-BB93-6B29FD4B6B36}" dt="2024-01-31T17:20:34.078" v="174" actId="207"/>
-          <ac:spMkLst>
-            <pc:docMk/>
-            <pc:sldMk cId="2157202560" sldId="256"/>
-            <ac:spMk id="9" creationId="{3B765482-3325-3A8A-0C42-B67C7676E714}"/>
-          </ac:spMkLst>
-        </pc:spChg>
-        <pc:spChg chg="mod">
-          <ac:chgData name="Tejas Gokhale" userId="0a6e40ef-7aff-448b-b998-6dea126e3296" providerId="ADAL" clId="{B50F3A32-9D8F-4D6A-BB93-6B29FD4B6B36}" dt="2024-01-31T17:21:42.549" v="180" actId="207"/>
-          <ac:spMkLst>
-            <pc:docMk/>
-            <pc:sldMk cId="2157202560" sldId="256"/>
-            <ac:spMk id="10" creationId="{F87C4D91-A58F-C724-601A-7123C4503D00}"/>
-          </ac:spMkLst>
-        </pc:spChg>
-        <pc:spChg chg="mod">
-          <ac:chgData name="Tejas Gokhale" userId="0a6e40ef-7aff-448b-b998-6dea126e3296" providerId="ADAL" clId="{B50F3A32-9D8F-4D6A-BB93-6B29FD4B6B36}" dt="2024-01-31T17:15:11.126" v="129" actId="14100"/>
-          <ac:spMkLst>
-            <pc:docMk/>
-            <pc:sldMk cId="2157202560" sldId="256"/>
-            <ac:spMk id="11" creationId="{AA501004-C794-3E0C-FBE7-DB827F4B8C0F}"/>
-          </ac:spMkLst>
-        </pc:spChg>
-        <pc:spChg chg="mod">
-          <ac:chgData name="Tejas Gokhale" userId="0a6e40ef-7aff-448b-b998-6dea126e3296" providerId="ADAL" clId="{B50F3A32-9D8F-4D6A-BB93-6B29FD4B6B36}" dt="2024-01-31T17:21:55.059" v="181" actId="207"/>
+          <ac:chgData name="Tejas Gokhale" userId="0a6e40ef-7aff-448b-b998-6dea126e3296" providerId="ADAL" clId="{FC816B61-6E42-4A23-8BF6-9198895668C0}" dt="2025-02-15T16:03:51.056" v="1" actId="20577"/>
           <ac:spMkLst>
             <pc:docMk/>
             <pc:sldMk cId="2157202560" sldId="256"/>
@@ -272,93 +168,13 @@
           </ac:spMkLst>
         </pc:spChg>
         <pc:spChg chg="mod">
-          <ac:chgData name="Tejas Gokhale" userId="0a6e40ef-7aff-448b-b998-6dea126e3296" providerId="ADAL" clId="{B50F3A32-9D8F-4D6A-BB93-6B29FD4B6B36}" dt="2024-01-31T17:13:07.026" v="112" actId="14100"/>
-          <ac:spMkLst>
-            <pc:docMk/>
-            <pc:sldMk cId="2157202560" sldId="256"/>
-            <ac:spMk id="20" creationId="{675A8CC2-2D3C-8E9C-7AB0-3CA459CD69D8}"/>
-          </ac:spMkLst>
-        </pc:spChg>
-        <pc:spChg chg="mod">
-          <ac:chgData name="Tejas Gokhale" userId="0a6e40ef-7aff-448b-b998-6dea126e3296" providerId="ADAL" clId="{B50F3A32-9D8F-4D6A-BB93-6B29FD4B6B36}" dt="2024-01-31T17:12:32.296" v="111" actId="121"/>
+          <ac:chgData name="Tejas Gokhale" userId="0a6e40ef-7aff-448b-b998-6dea126e3296" providerId="ADAL" clId="{FC816B61-6E42-4A23-8BF6-9198895668C0}" dt="2025-02-15T16:05:17.347" v="8" actId="20577"/>
           <ac:spMkLst>
             <pc:docMk/>
             <pc:sldMk cId="2157202560" sldId="256"/>
             <ac:spMk id="21" creationId="{555A2736-A833-DA5C-DD55-30BB5DE72B7A}"/>
           </ac:spMkLst>
         </pc:spChg>
-        <pc:spChg chg="mod">
-          <ac:chgData name="Tejas Gokhale" userId="0a6e40ef-7aff-448b-b998-6dea126e3296" providerId="ADAL" clId="{B50F3A32-9D8F-4D6A-BB93-6B29FD4B6B36}" dt="2024-01-31T17:22:06.834" v="182" actId="207"/>
-          <ac:spMkLst>
-            <pc:docMk/>
-            <pc:sldMk cId="2157202560" sldId="256"/>
-            <ac:spMk id="22" creationId="{FBAB5ABC-7915-4FC3-7CE5-EAD1EA49D187}"/>
-          </ac:spMkLst>
-        </pc:spChg>
-        <pc:spChg chg="add mod ord">
-          <ac:chgData name="Tejas Gokhale" userId="0a6e40ef-7aff-448b-b998-6dea126e3296" providerId="ADAL" clId="{B50F3A32-9D8F-4D6A-BB93-6B29FD4B6B36}" dt="2024-01-31T17:22:50.093" v="191" actId="207"/>
-          <ac:spMkLst>
-            <pc:docMk/>
-            <pc:sldMk cId="2157202560" sldId="256"/>
-            <ac:spMk id="24" creationId="{EBDF542A-C5BA-DFB0-6C23-AB4194EDA75E}"/>
-          </ac:spMkLst>
-        </pc:spChg>
-        <pc:grpChg chg="mod">
-          <ac:chgData name="Tejas Gokhale" userId="0a6e40ef-7aff-448b-b998-6dea126e3296" providerId="ADAL" clId="{B50F3A32-9D8F-4D6A-BB93-6B29FD4B6B36}" dt="2024-01-31T17:15:00.917" v="127" actId="14100"/>
-          <ac:grpSpMkLst>
-            <pc:docMk/>
-            <pc:sldMk cId="2157202560" sldId="256"/>
-            <ac:grpSpMk id="19" creationId="{3DBFF2E2-EA4B-EE24-A10E-26DE58154A80}"/>
-          </ac:grpSpMkLst>
-        </pc:grpChg>
-        <pc:grpChg chg="add mod">
-          <ac:chgData name="Tejas Gokhale" userId="0a6e40ef-7aff-448b-b998-6dea126e3296" providerId="ADAL" clId="{B50F3A32-9D8F-4D6A-BB93-6B29FD4B6B36}" dt="2024-01-31T17:14:38.715" v="126" actId="1076"/>
-          <ac:grpSpMkLst>
-            <pc:docMk/>
-            <pc:sldMk cId="2157202560" sldId="256"/>
-            <ac:grpSpMk id="23" creationId="{52D81623-A97C-2887-0234-DEB591D6F952}"/>
-          </ac:grpSpMkLst>
-        </pc:grpChg>
-        <pc:picChg chg="mod">
-          <ac:chgData name="Tejas Gokhale" userId="0a6e40ef-7aff-448b-b998-6dea126e3296" providerId="ADAL" clId="{B50F3A32-9D8F-4D6A-BB93-6B29FD4B6B36}" dt="2024-01-31T17:16:01.945" v="138" actId="14100"/>
-          <ac:picMkLst>
-            <pc:docMk/>
-            <pc:sldMk cId="2157202560" sldId="256"/>
-            <ac:picMk id="8" creationId="{8545C200-9F55-DB76-B1C3-F05A88911895}"/>
-          </ac:picMkLst>
-        </pc:picChg>
-        <pc:picChg chg="mod">
-          <ac:chgData name="Tejas Gokhale" userId="0a6e40ef-7aff-448b-b998-6dea126e3296" providerId="ADAL" clId="{B50F3A32-9D8F-4D6A-BB93-6B29FD4B6B36}" dt="2024-01-31T17:14:02.426" v="119" actId="14100"/>
-          <ac:picMkLst>
-            <pc:docMk/>
-            <pc:sldMk cId="2157202560" sldId="256"/>
-            <ac:picMk id="1032" creationId="{5C22C2C4-189A-F12A-846F-D71FDBB79045}"/>
-          </ac:picMkLst>
-        </pc:picChg>
-        <pc:picChg chg="mod">
-          <ac:chgData name="Tejas Gokhale" userId="0a6e40ef-7aff-448b-b998-6dea126e3296" providerId="ADAL" clId="{B50F3A32-9D8F-4D6A-BB93-6B29FD4B6B36}" dt="2024-01-31T17:13:12.356" v="113" actId="1076"/>
-          <ac:picMkLst>
-            <pc:docMk/>
-            <pc:sldMk cId="2157202560" sldId="256"/>
-            <ac:picMk id="1038" creationId="{B626F19E-8FFD-8440-9A0D-F8428BD2A66E}"/>
-          </ac:picMkLst>
-        </pc:picChg>
-        <pc:picChg chg="add del mod">
-          <ac:chgData name="Tejas Gokhale" userId="0a6e40ef-7aff-448b-b998-6dea126e3296" providerId="ADAL" clId="{B50F3A32-9D8F-4D6A-BB93-6B29FD4B6B36}" dt="2024-01-31T17:19:38.524" v="167" actId="478"/>
-          <ac:picMkLst>
-            <pc:docMk/>
-            <pc:sldMk cId="2157202560" sldId="256"/>
-            <ac:picMk id="1040" creationId="{7AD47EED-38B2-90BC-EB3D-5AD306E5A65E}"/>
-          </ac:picMkLst>
-        </pc:picChg>
-        <pc:picChg chg="add mod">
-          <ac:chgData name="Tejas Gokhale" userId="0a6e40ef-7aff-448b-b998-6dea126e3296" providerId="ADAL" clId="{B50F3A32-9D8F-4D6A-BB93-6B29FD4B6B36}" dt="2024-01-31T17:26:12.443" v="197" actId="1076"/>
-          <ac:picMkLst>
-            <pc:docMk/>
-            <pc:sldMk cId="2157202560" sldId="256"/>
-            <ac:picMk id="1042" creationId="{79B64957-0A82-23EE-1BEC-4CAA7C87A51D}"/>
-          </ac:picMkLst>
-        </pc:picChg>
       </pc:sldChg>
     </pc:docChg>
   </pc:docChgLst>
@@ -496,7 +312,7 @@
           <a:p>
             <a:fld id="{B7144548-CE31-441F-AEEE-1D451D9E0324}" type="datetimeFigureOut">
               <a:rPr lang="en-US" smtClean="0"/>
-              <a:t>2/13/2025</a:t>
+              <a:t>2/15/2025</a:t>
             </a:fld>
             <a:endParaRPr lang="en-US"/>
           </a:p>
@@ -666,7 +482,7 @@
           <a:p>
             <a:fld id="{B7144548-CE31-441F-AEEE-1D451D9E0324}" type="datetimeFigureOut">
               <a:rPr lang="en-US" smtClean="0"/>
-              <a:t>2/13/2025</a:t>
+              <a:t>2/15/2025</a:t>
             </a:fld>
             <a:endParaRPr lang="en-US"/>
           </a:p>
@@ -846,7 +662,7 @@
           <a:p>
             <a:fld id="{B7144548-CE31-441F-AEEE-1D451D9E0324}" type="datetimeFigureOut">
               <a:rPr lang="en-US" smtClean="0"/>
-              <a:t>2/13/2025</a:t>
+              <a:t>2/15/2025</a:t>
             </a:fld>
             <a:endParaRPr lang="en-US"/>
           </a:p>
@@ -1015,7 +831,7 @@
           <a:p>
             <a:fld id="{B7144548-CE31-441F-AEEE-1D451D9E0324}" type="datetimeFigureOut">
               <a:rPr lang="en-US" smtClean="0"/>
-              <a:t>2/13/2025</a:t>
+              <a:t>2/15/2025</a:t>
             </a:fld>
             <a:endParaRPr lang="en-US"/>
           </a:p>
@@ -1259,7 +1075,7 @@
           <a:p>
             <a:fld id="{B7144548-CE31-441F-AEEE-1D451D9E0324}" type="datetimeFigureOut">
               <a:rPr lang="en-US" smtClean="0"/>
-              <a:t>2/13/2025</a:t>
+              <a:t>2/15/2025</a:t>
             </a:fld>
             <a:endParaRPr lang="en-US"/>
           </a:p>
@@ -1491,7 +1307,7 @@
           <a:p>
             <a:fld id="{B7144548-CE31-441F-AEEE-1D451D9E0324}" type="datetimeFigureOut">
               <a:rPr lang="en-US" smtClean="0"/>
-              <a:t>2/13/2025</a:t>
+              <a:t>2/15/2025</a:t>
             </a:fld>
             <a:endParaRPr lang="en-US"/>
           </a:p>
@@ -1858,7 +1674,7 @@
           <a:p>
             <a:fld id="{B7144548-CE31-441F-AEEE-1D451D9E0324}" type="datetimeFigureOut">
               <a:rPr lang="en-US" smtClean="0"/>
-              <a:t>2/13/2025</a:t>
+              <a:t>2/15/2025</a:t>
             </a:fld>
             <a:endParaRPr lang="en-US"/>
           </a:p>
@@ -1976,7 +1792,7 @@
           <a:p>
             <a:fld id="{B7144548-CE31-441F-AEEE-1D451D9E0324}" type="datetimeFigureOut">
               <a:rPr lang="en-US" smtClean="0"/>
-              <a:t>2/13/2025</a:t>
+              <a:t>2/15/2025</a:t>
             </a:fld>
             <a:endParaRPr lang="en-US"/>
           </a:p>
@@ -2071,7 +1887,7 @@
           <a:p>
             <a:fld id="{B7144548-CE31-441F-AEEE-1D451D9E0324}" type="datetimeFigureOut">
               <a:rPr lang="en-US" smtClean="0"/>
-              <a:t>2/13/2025</a:t>
+              <a:t>2/15/2025</a:t>
             </a:fld>
             <a:endParaRPr lang="en-US"/>
           </a:p>
@@ -2348,7 +2164,7 @@
           <a:p>
             <a:fld id="{B7144548-CE31-441F-AEEE-1D451D9E0324}" type="datetimeFigureOut">
               <a:rPr lang="en-US" smtClean="0"/>
-              <a:t>2/13/2025</a:t>
+              <a:t>2/15/2025</a:t>
             </a:fld>
             <a:endParaRPr lang="en-US"/>
           </a:p>
@@ -2605,7 +2421,7 @@
           <a:p>
             <a:fld id="{B7144548-CE31-441F-AEEE-1D451D9E0324}" type="datetimeFigureOut">
               <a:rPr lang="en-US" smtClean="0"/>
-              <a:t>2/13/2025</a:t>
+              <a:t>2/15/2025</a:t>
             </a:fld>
             <a:endParaRPr lang="en-US"/>
           </a:p>
@@ -2818,7 +2634,7 @@
           <a:p>
             <a:fld id="{B7144548-CE31-441F-AEEE-1D451D9E0324}" type="datetimeFigureOut">
               <a:rPr lang="en-US" smtClean="0"/>
-              <a:t>2/13/2025</a:t>
+              <a:t>2/15/2025</a:t>
             </a:fld>
             <a:endParaRPr lang="en-US"/>
           </a:p>
@@ -4039,7 +3855,7 @@
                   </a:solidFill>
                   <a:latin typeface="Segoe UI Variable Display" pitchFamily="2" charset="0"/>
                 </a:rPr>
-                <a:t>Feb 19, 2024;  4:00 – 5:15 PM;  ITE 231 / Webex</a:t>
+                <a:t>Feb 19, 2025;  4:00 – 5:15 PM;  ITE 231 / Webex</a:t>
               </a:r>
               <a:endParaRPr lang="en-US" sz="2400" dirty="0">
                 <a:solidFill>
@@ -4067,8 +3883,8 @@
         </p:nvSpPr>
         <p:spPr>
           <a:xfrm>
-            <a:off x="2870200" y="9327371"/>
-            <a:ext cx="4588685" cy="631057"/>
+            <a:off x="2864528" y="9327371"/>
+            <a:ext cx="4740737" cy="631057"/>
           </a:xfrm>
           <a:prstGeom prst="rect">
             <a:avLst/>
@@ -4307,7 +4123,7 @@
                 <a:latin typeface="Segoe UI Variable Display Semil" pitchFamily="2" charset="0"/>
                 <a:cs typeface="Segoe UI Light" panose="020B0502040204020203" pitchFamily="34" charset="0"/>
               </a:rPr>
-              <a:t>Hosted by Dr. Tejas Gokhale  </a:t>
+              <a:t>Hosted by Dr. Tejas Gokhale:  </a:t>
             </a:r>
             <a:r>
               <a:rPr lang="en-US" sz="1400" dirty="0">
